--- a/spring20/assignment04/assignment04 - Part 1.pptx
+++ b/spring20/assignment04/assignment04 - Part 1.pptx
@@ -39,7 +39,6 @@
     <p:sldId id="289" r:id="rId33"/>
     <p:sldId id="288" r:id="rId34"/>
     <p:sldId id="290" r:id="rId35"/>
-    <p:sldId id="287" r:id="rId36"/>
   </p:sldIdLst>
   <p:sldSz cx="12192000" cy="6858000"/>
   <p:notesSz cx="6858000" cy="9144000"/>
@@ -138,6 +137,11 @@
       </a:defRPr>
     </a:lvl9pPr>
   </p:defaultTextStyle>
+  <p:extLst>
+    <p:ext uri="{EFAFB233-063F-42B5-8137-9DF3F51BA10A}">
+      <p15:sldGuideLst xmlns:p15="http://schemas.microsoft.com/office/powerpoint/2012/main"/>
+    </p:ext>
+  </p:extLst>
 </p:presentation>
 </file>
 
@@ -367,7 +371,7 @@
           <a:p>
             <a:fld id="{15852C32-BF6D-42C7-AA17-01587176C3BE}" type="datetimeFigureOut">
               <a:rPr lang="en-US" smtClean="0"/>
-              <a:t>2/26/2020</a:t>
+              <a:t>3/23/2020</a:t>
             </a:fld>
             <a:endParaRPr lang="en-US"/>
           </a:p>
@@ -575,7 +579,7 @@
           <a:p>
             <a:fld id="{15852C32-BF6D-42C7-AA17-01587176C3BE}" type="datetimeFigureOut">
               <a:rPr lang="en-US" smtClean="0"/>
-              <a:t>2/26/2020</a:t>
+              <a:t>3/23/2020</a:t>
             </a:fld>
             <a:endParaRPr lang="en-US"/>
           </a:p>
@@ -831,7 +835,7 @@
           <a:p>
             <a:fld id="{15852C32-BF6D-42C7-AA17-01587176C3BE}" type="datetimeFigureOut">
               <a:rPr lang="en-US" smtClean="0"/>
-              <a:t>2/26/2020</a:t>
+              <a:t>3/23/2020</a:t>
             </a:fld>
             <a:endParaRPr lang="en-US"/>
           </a:p>
@@ -1001,7 +1005,7 @@
           <a:p>
             <a:fld id="{15852C32-BF6D-42C7-AA17-01587176C3BE}" type="datetimeFigureOut">
               <a:rPr lang="en-US" smtClean="0"/>
-              <a:t>2/26/2020</a:t>
+              <a:t>3/23/2020</a:t>
             </a:fld>
             <a:endParaRPr lang="en-US"/>
           </a:p>
@@ -1344,7 +1348,7 @@
           <a:p>
             <a:fld id="{15852C32-BF6D-42C7-AA17-01587176C3BE}" type="datetimeFigureOut">
               <a:rPr lang="en-US" smtClean="0"/>
-              <a:t>2/26/2020</a:t>
+              <a:t>3/23/2020</a:t>
             </a:fld>
             <a:endParaRPr lang="en-US"/>
           </a:p>
@@ -1619,7 +1623,7 @@
           <a:p>
             <a:fld id="{15852C32-BF6D-42C7-AA17-01587176C3BE}" type="datetimeFigureOut">
               <a:rPr lang="en-US" smtClean="0"/>
-              <a:t>2/26/2020</a:t>
+              <a:t>3/23/2020</a:t>
             </a:fld>
             <a:endParaRPr lang="en-US"/>
           </a:p>
@@ -1998,7 +2002,7 @@
           <a:p>
             <a:fld id="{15852C32-BF6D-42C7-AA17-01587176C3BE}" type="datetimeFigureOut">
               <a:rPr lang="en-US" smtClean="0"/>
-              <a:t>2/26/2020</a:t>
+              <a:t>3/23/2020</a:t>
             </a:fld>
             <a:endParaRPr lang="en-US"/>
           </a:p>
@@ -2116,7 +2120,7 @@
           <a:p>
             <a:fld id="{15852C32-BF6D-42C7-AA17-01587176C3BE}" type="datetimeFigureOut">
               <a:rPr lang="en-US" smtClean="0"/>
-              <a:t>2/26/2020</a:t>
+              <a:t>3/23/2020</a:t>
             </a:fld>
             <a:endParaRPr lang="en-US"/>
           </a:p>
@@ -2287,7 +2291,7 @@
           <a:p>
             <a:fld id="{15852C32-BF6D-42C7-AA17-01587176C3BE}" type="datetimeFigureOut">
               <a:rPr lang="en-US" smtClean="0"/>
-              <a:t>2/26/2020</a:t>
+              <a:t>3/23/2020</a:t>
             </a:fld>
             <a:endParaRPr lang="en-US"/>
           </a:p>
@@ -2641,7 +2645,7 @@
           <a:p>
             <a:fld id="{15852C32-BF6D-42C7-AA17-01587176C3BE}" type="datetimeFigureOut">
               <a:rPr lang="en-US" smtClean="0"/>
-              <a:t>2/26/2020</a:t>
+              <a:t>3/23/2020</a:t>
             </a:fld>
             <a:endParaRPr lang="en-US"/>
           </a:p>
@@ -3018,7 +3022,7 @@
           <a:p>
             <a:fld id="{15852C32-BF6D-42C7-AA17-01587176C3BE}" type="datetimeFigureOut">
               <a:rPr lang="en-US" smtClean="0"/>
-              <a:t>2/26/2020</a:t>
+              <a:t>3/23/2020</a:t>
             </a:fld>
             <a:endParaRPr lang="en-US"/>
           </a:p>
@@ -3305,7 +3309,7 @@
           <a:p>
             <a:fld id="{15852C32-BF6D-42C7-AA17-01587176C3BE}" type="datetimeFigureOut">
               <a:rPr lang="en-US" smtClean="0"/>
-              <a:t>2/26/2020</a:t>
+              <a:t>3/23/2020</a:t>
             </a:fld>
             <a:endParaRPr lang="en-US"/>
           </a:p>
@@ -17108,288 +17112,6 @@
 </p:sld>
 </file>
 
-<file path=ppt/slides/slide35.xml><?xml version="1.0" encoding="utf-8"?>
-<p:sld xmlns:a="http://schemas.openxmlformats.org/drawingml/2006/main" xmlns:r="http://schemas.openxmlformats.org/officeDocument/2006/relationships" xmlns:p="http://schemas.openxmlformats.org/presentationml/2006/main">
-  <p:cSld>
-    <p:bg>
-      <p:bgPr>
-        <a:solidFill>
-          <a:schemeClr val="bg1"/>
-        </a:solidFill>
-        <a:effectLst/>
-      </p:bgPr>
-    </p:bg>
-    <p:spTree>
-      <p:nvGrpSpPr>
-        <p:cNvPr id="1" name=""/>
-        <p:cNvGrpSpPr/>
-        <p:nvPr/>
-      </p:nvGrpSpPr>
-      <p:grpSpPr>
-        <a:xfrm>
-          <a:off x="0" y="0"/>
-          <a:ext cx="0" cy="0"/>
-          <a:chOff x="0" y="0"/>
-          <a:chExt cx="0" cy="0"/>
-        </a:xfrm>
-      </p:grpSpPr>
-      <p:sp useBgFill="1">
-        <p:nvSpPr>
-          <p:cNvPr id="8" name="Rectangle 7">
-            <a:extLst>
-              <a:ext uri="{FF2B5EF4-FFF2-40B4-BE49-F238E27FC236}">
-                <a16:creationId xmlns:a16="http://schemas.microsoft.com/office/drawing/2014/main" id="{3741B58E-3B65-4A01-A276-975AB2CF8A08}"/>
-              </a:ext>
-              <a:ext uri="{C183D7F6-B498-43B3-948B-1728B52AA6E4}">
-                <adec:decorative xmlns:adec="http://schemas.microsoft.com/office/drawing/2017/decorative" val="1"/>
-              </a:ext>
-            </a:extLst>
-          </p:cNvPr>
-          <p:cNvSpPr>
-            <a:spLocks noGrp="1" noRot="1" noChangeAspect="1" noMove="1" noResize="1" noEditPoints="1" noAdjustHandles="1" noChangeArrowheads="1" noChangeShapeType="1" noTextEdit="1"/>
-          </p:cNvSpPr>
-          <p:nvPr>
-            <p:extLst>
-              <p:ext uri="{386F3935-93C4-4BCD-93E2-E3B085C9AB24}">
-                <p16:designElem xmlns:p16="http://schemas.microsoft.com/office/powerpoint/2015/main" val="1"/>
-              </p:ext>
-            </p:extLst>
-          </p:nvPr>
-        </p:nvSpPr>
-        <p:spPr>
-          <a:xfrm>
-            <a:off x="0" y="0"/>
-            <a:ext cx="12186315" cy="6858000"/>
-          </a:xfrm>
-          <a:prstGeom prst="rect">
-            <a:avLst/>
-          </a:prstGeom>
-          <a:ln>
-            <a:noFill/>
-          </a:ln>
-        </p:spPr>
-        <p:style>
-          <a:lnRef idx="2">
-            <a:schemeClr val="accent6">
-              <a:shade val="50000"/>
-            </a:schemeClr>
-          </a:lnRef>
-          <a:fillRef idx="1001">
-            <a:schemeClr val="lt1"/>
-          </a:fillRef>
-          <a:effectRef idx="0">
-            <a:schemeClr val="accent6"/>
-          </a:effectRef>
-          <a:fontRef idx="minor">
-            <a:schemeClr val="lt1"/>
-          </a:fontRef>
-        </p:style>
-        <p:txBody>
-          <a:bodyPr rtlCol="0" anchor="ctr"/>
-          <a:lstStyle/>
-          <a:p>
-            <a:pPr algn="ctr"/>
-            <a:endParaRPr lang="en-US"/>
-          </a:p>
-        </p:txBody>
-      </p:sp>
-      <p:sp>
-        <p:nvSpPr>
-          <p:cNvPr id="10" name="Rectangle 9">
-            <a:extLst>
-              <a:ext uri="{FF2B5EF4-FFF2-40B4-BE49-F238E27FC236}">
-                <a16:creationId xmlns:a16="http://schemas.microsoft.com/office/drawing/2014/main" id="{7AAC67C3-831B-4AB1-A259-DFB839CAFAFC}"/>
-              </a:ext>
-              <a:ext uri="{C183D7F6-B498-43B3-948B-1728B52AA6E4}">
-                <adec:decorative xmlns:adec="http://schemas.microsoft.com/office/drawing/2017/decorative" val="1"/>
-              </a:ext>
-            </a:extLst>
-          </p:cNvPr>
-          <p:cNvSpPr>
-            <a:spLocks noGrp="1" noRot="1" noChangeAspect="1" noMove="1" noResize="1" noEditPoints="1" noAdjustHandles="1" noChangeArrowheads="1" noChangeShapeType="1" noTextEdit="1"/>
-          </p:cNvSpPr>
-          <p:nvPr>
-            <p:extLst>
-              <p:ext uri="{386F3935-93C4-4BCD-93E2-E3B085C9AB24}">
-                <p16:designElem xmlns:p16="http://schemas.microsoft.com/office/powerpoint/2015/main" val="1"/>
-              </p:ext>
-            </p:extLst>
-          </p:nvPr>
-        </p:nvSpPr>
-        <p:spPr>
-          <a:xfrm>
-            <a:off x="16" y="0"/>
-            <a:ext cx="4050791" cy="6858000"/>
-          </a:xfrm>
-          <a:prstGeom prst="rect">
-            <a:avLst/>
-          </a:prstGeom>
-          <a:solidFill>
-            <a:schemeClr val="accent2"/>
-          </a:solidFill>
-          <a:ln>
-            <a:noFill/>
-          </a:ln>
-        </p:spPr>
-        <p:style>
-          <a:lnRef idx="2">
-            <a:schemeClr val="accent1">
-              <a:shade val="50000"/>
-            </a:schemeClr>
-          </a:lnRef>
-          <a:fillRef idx="1">
-            <a:schemeClr val="accent1"/>
-          </a:fillRef>
-          <a:effectRef idx="0">
-            <a:schemeClr val="accent1"/>
-          </a:effectRef>
-          <a:fontRef idx="minor">
-            <a:schemeClr val="lt1"/>
-          </a:fontRef>
-        </p:style>
-      </p:sp>
-      <p:sp>
-        <p:nvSpPr>
-          <p:cNvPr id="2" name="Title 1">
-            <a:extLst>
-              <a:ext uri="{FF2B5EF4-FFF2-40B4-BE49-F238E27FC236}">
-                <a16:creationId xmlns:a16="http://schemas.microsoft.com/office/drawing/2014/main" id="{881AAF45-9814-4928-A403-9662A1852FD5}"/>
-              </a:ext>
-            </a:extLst>
-          </p:cNvPr>
-          <p:cNvSpPr>
-            <a:spLocks noGrp="1"/>
-          </p:cNvSpPr>
-          <p:nvPr>
-            <p:ph type="title"/>
-          </p:nvPr>
-        </p:nvSpPr>
-        <p:spPr>
-          <a:xfrm>
-            <a:off x="492370" y="605896"/>
-            <a:ext cx="3084844" cy="5646208"/>
-          </a:xfrm>
-        </p:spPr>
-        <p:txBody>
-          <a:bodyPr anchor="ctr">
-            <a:normAutofit/>
-          </a:bodyPr>
-          <a:lstStyle/>
-          <a:p>
-            <a:r>
-              <a:rPr lang="en-US" sz="3600" dirty="0">
-                <a:solidFill>
-                  <a:srgbClr val="FFFFFF"/>
-                </a:solidFill>
-              </a:rPr>
-              <a:t>Part 3</a:t>
-            </a:r>
-          </a:p>
-        </p:txBody>
-      </p:sp>
-      <p:sp>
-        <p:nvSpPr>
-          <p:cNvPr id="12" name="Rectangle 11">
-            <a:extLst>
-              <a:ext uri="{FF2B5EF4-FFF2-40B4-BE49-F238E27FC236}">
-                <a16:creationId xmlns:a16="http://schemas.microsoft.com/office/drawing/2014/main" id="{054B3F04-9EAC-45C0-B3CE-0387EEA10A0C}"/>
-              </a:ext>
-              <a:ext uri="{C183D7F6-B498-43B3-948B-1728B52AA6E4}">
-                <adec:decorative xmlns:adec="http://schemas.microsoft.com/office/drawing/2017/decorative" val="1"/>
-              </a:ext>
-            </a:extLst>
-          </p:cNvPr>
-          <p:cNvSpPr>
-            <a:spLocks noGrp="1" noRot="1" noChangeAspect="1" noMove="1" noResize="1" noEditPoints="1" noAdjustHandles="1" noChangeArrowheads="1" noChangeShapeType="1" noTextEdit="1"/>
-          </p:cNvSpPr>
-          <p:nvPr>
-            <p:extLst>
-              <p:ext uri="{386F3935-93C4-4BCD-93E2-E3B085C9AB24}">
-                <p16:designElem xmlns:p16="http://schemas.microsoft.com/office/powerpoint/2015/main" val="1"/>
-              </p:ext>
-            </p:extLst>
-          </p:nvPr>
-        </p:nvSpPr>
-        <p:spPr>
-          <a:xfrm>
-            <a:off x="4040071" y="0"/>
-            <a:ext cx="64008" cy="6858000"/>
-          </a:xfrm>
-          <a:prstGeom prst="rect">
-            <a:avLst/>
-          </a:prstGeom>
-          <a:solidFill>
-            <a:schemeClr val="accent1"/>
-          </a:solidFill>
-          <a:ln>
-            <a:noFill/>
-          </a:ln>
-        </p:spPr>
-        <p:style>
-          <a:lnRef idx="2">
-            <a:schemeClr val="accent1">
-              <a:shade val="50000"/>
-            </a:schemeClr>
-          </a:lnRef>
-          <a:fillRef idx="1">
-            <a:schemeClr val="accent1"/>
-          </a:fillRef>
-          <a:effectRef idx="0">
-            <a:schemeClr val="accent1"/>
-          </a:effectRef>
-          <a:fontRef idx="minor">
-            <a:schemeClr val="lt1"/>
-          </a:fontRef>
-        </p:style>
-      </p:sp>
-      <p:sp>
-        <p:nvSpPr>
-          <p:cNvPr id="3" name="Content Placeholder 2">
-            <a:extLst>
-              <a:ext uri="{FF2B5EF4-FFF2-40B4-BE49-F238E27FC236}">
-                <a16:creationId xmlns:a16="http://schemas.microsoft.com/office/drawing/2014/main" id="{DA67D8B3-D943-4932-BB84-738EB7ED3659}"/>
-              </a:ext>
-            </a:extLst>
-          </p:cNvPr>
-          <p:cNvSpPr>
-            <a:spLocks noGrp="1"/>
-          </p:cNvSpPr>
-          <p:nvPr>
-            <p:ph idx="1"/>
-          </p:nvPr>
-        </p:nvSpPr>
-        <p:spPr>
-          <a:xfrm>
-            <a:off x="4742016" y="605896"/>
-            <a:ext cx="6413663" cy="5646208"/>
-          </a:xfrm>
-        </p:spPr>
-        <p:txBody>
-          <a:bodyPr anchor="ctr">
-            <a:normAutofit/>
-          </a:bodyPr>
-          <a:lstStyle/>
-          <a:p>
-            <a:r>
-              <a:rPr lang="en-US" dirty="0"/>
-              <a:t>The Clock Class</a:t>
-            </a:r>
-          </a:p>
-        </p:txBody>
-      </p:sp>
-    </p:spTree>
-    <p:extLst>
-      <p:ext uri="{BB962C8B-B14F-4D97-AF65-F5344CB8AC3E}">
-        <p14:creationId xmlns:p14="http://schemas.microsoft.com/office/powerpoint/2010/main" val="4278451681"/>
-      </p:ext>
-    </p:extLst>
-  </p:cSld>
-  <p:clrMapOvr>
-    <a:masterClrMapping/>
-  </p:clrMapOvr>
-</p:sld>
-</file>
-
 <file path=ppt/slides/slide4.xml><?xml version="1.0" encoding="utf-8"?>
 <p:sld xmlns:a="http://schemas.openxmlformats.org/drawingml/2006/main" xmlns:r="http://schemas.openxmlformats.org/officeDocument/2006/relationships" xmlns:p="http://schemas.openxmlformats.org/presentationml/2006/main">
   <p:cSld>
